--- a/Presentation/Favor.pptx
+++ b/Presentation/Favor.pptx
@@ -5,7 +5,7 @@
     <p:sldMasterId id="2147483804" r:id="rId1"/>
   </p:sldMasterIdLst>
   <p:notesMasterIdLst>
-    <p:notesMasterId r:id="rId10"/>
+    <p:notesMasterId r:id="rId7"/>
   </p:notesMasterIdLst>
   <p:sldIdLst>
     <p:sldId id="257" r:id="rId2"/>
@@ -13,9 +13,6 @@
     <p:sldId id="269" r:id="rId4"/>
     <p:sldId id="261" r:id="rId5"/>
     <p:sldId id="265" r:id="rId6"/>
-    <p:sldId id="268" r:id="rId7"/>
-    <p:sldId id="262" r:id="rId8"/>
-    <p:sldId id="264" r:id="rId9"/>
   </p:sldIdLst>
   <p:sldSz cx="12192000" cy="6858000"/>
   <p:notesSz cx="6858000" cy="9144000"/>
@@ -6464,7 +6461,7 @@
           <p:cNvPr id="2" name="TextBox 1">
             <a:extLst>
               <a:ext uri="{FF2B5EF4-FFF2-40B4-BE49-F238E27FC236}">
-                <a16:creationId xmlns="" xmlns:a16="http://schemas.microsoft.com/office/drawing/2014/main" id="{B59B4083-1F5C-434C-9C2B-5EB24FDA0C41}"/>
+                <a16:creationId xmlns:a16="http://schemas.microsoft.com/office/drawing/2014/main" xmlns="" id="{B59B4083-1F5C-434C-9C2B-5EB24FDA0C41}"/>
               </a:ext>
             </a:extLst>
           </p:cNvPr>
@@ -6500,7 +6497,7 @@
           <p:cNvPr id="3" name="TextBox 2">
             <a:extLst>
               <a:ext uri="{FF2B5EF4-FFF2-40B4-BE49-F238E27FC236}">
-                <a16:creationId xmlns="" xmlns:a16="http://schemas.microsoft.com/office/drawing/2014/main" id="{297BF447-A6CA-4916-8560-4A75B3309C1C}"/>
+                <a16:creationId xmlns:a16="http://schemas.microsoft.com/office/drawing/2014/main" xmlns="" id="{297BF447-A6CA-4916-8560-4A75B3309C1C}"/>
               </a:ext>
             </a:extLst>
           </p:cNvPr>
@@ -6560,7 +6557,7 @@
           <p:cNvPr id="6" name="TextBox 5">
             <a:extLst>
               <a:ext uri="{FF2B5EF4-FFF2-40B4-BE49-F238E27FC236}">
-                <a16:creationId xmlns="" xmlns:a16="http://schemas.microsoft.com/office/drawing/2014/main" id="{36BE24EE-2C30-4035-9F67-70C5CB4B2675}"/>
+                <a16:creationId xmlns:a16="http://schemas.microsoft.com/office/drawing/2014/main" xmlns="" id="{36BE24EE-2C30-4035-9F67-70C5CB4B2675}"/>
               </a:ext>
             </a:extLst>
           </p:cNvPr>
@@ -6659,7 +6656,7 @@
           <p:cNvPr id="2" name="Title 1">
             <a:extLst>
               <a:ext uri="{FF2B5EF4-FFF2-40B4-BE49-F238E27FC236}">
-                <a16:creationId xmlns="" xmlns:a16="http://schemas.microsoft.com/office/drawing/2014/main" id="{78639824-6134-4D43-A177-19CDE6660E62}"/>
+                <a16:creationId xmlns:a16="http://schemas.microsoft.com/office/drawing/2014/main" xmlns="" id="{78639824-6134-4D43-A177-19CDE6660E62}"/>
               </a:ext>
             </a:extLst>
           </p:cNvPr>
@@ -6688,7 +6685,7 @@
           <p:cNvPr id="3" name="Content Placeholder 2">
             <a:extLst>
               <a:ext uri="{FF2B5EF4-FFF2-40B4-BE49-F238E27FC236}">
-                <a16:creationId xmlns="" xmlns:a16="http://schemas.microsoft.com/office/drawing/2014/main" id="{3B629239-AEFD-4A6C-8A52-A87E3105F404}"/>
+                <a16:creationId xmlns:a16="http://schemas.microsoft.com/office/drawing/2014/main" xmlns="" id="{3B629239-AEFD-4A6C-8A52-A87E3105F404}"/>
               </a:ext>
             </a:extLst>
           </p:cNvPr>
@@ -6715,19 +6712,11 @@
             </a:r>
             <a:r>
               <a:rPr lang="en-GB" dirty="0" err="1" smtClean="0"/>
-              <a:t>D</a:t>
-            </a:r>
-            <a:r>
-              <a:rPr lang="en-GB" dirty="0" err="1" smtClean="0"/>
-              <a:t>App</a:t>
+              <a:t>DApp</a:t>
             </a:r>
             <a:r>
               <a:rPr lang="en-GB" dirty="0" smtClean="0"/>
-              <a:t> </a:t>
-            </a:r>
-            <a:r>
-              <a:rPr lang="en-GB" dirty="0" smtClean="0"/>
-              <a:t>that would allow people to exchange </a:t>
+              <a:t> that would allow people to exchange </a:t>
             </a:r>
             <a:r>
               <a:rPr lang="en-GB" dirty="0" err="1" smtClean="0"/>
@@ -6735,11 +6724,7 @@
             </a:r>
             <a:r>
               <a:rPr lang="en-GB" dirty="0" smtClean="0"/>
-              <a:t> </a:t>
-            </a:r>
-            <a:r>
-              <a:rPr lang="en-GB" dirty="0" smtClean="0"/>
-              <a:t>— small </a:t>
+              <a:t> — small </a:t>
             </a:r>
             <a:r>
               <a:rPr lang="en-GB" dirty="0"/>
@@ -6950,7 +6935,7 @@
           <p:cNvPr id="2" name="Title 1">
             <a:extLst>
               <a:ext uri="{FF2B5EF4-FFF2-40B4-BE49-F238E27FC236}">
-                <a16:creationId xmlns="" xmlns:a16="http://schemas.microsoft.com/office/drawing/2014/main" id="{19E6B772-9B0E-48C8-AAE2-16A6128B6C80}"/>
+                <a16:creationId xmlns:a16="http://schemas.microsoft.com/office/drawing/2014/main" xmlns="" id="{19E6B772-9B0E-48C8-AAE2-16A6128B6C80}"/>
               </a:ext>
             </a:extLst>
           </p:cNvPr>
@@ -6993,7 +6978,7 @@
           <p:cNvPr id="3" name="Content Placeholder 2">
             <a:extLst>
               <a:ext uri="{FF2B5EF4-FFF2-40B4-BE49-F238E27FC236}">
-                <a16:creationId xmlns="" xmlns:a16="http://schemas.microsoft.com/office/drawing/2014/main" id="{A658EFCA-5D11-49FB-A1AE-F2F9BD61EAEF}"/>
+                <a16:creationId xmlns:a16="http://schemas.microsoft.com/office/drawing/2014/main" xmlns="" id="{A658EFCA-5D11-49FB-A1AE-F2F9BD61EAEF}"/>
               </a:ext>
             </a:extLst>
           </p:cNvPr>
@@ -7036,11 +7021,7 @@
             </a:r>
             <a:r>
               <a:rPr lang="en-GB" sz="2600" i="1" dirty="0" smtClean="0"/>
-              <a:t> </a:t>
-            </a:r>
-            <a:r>
-              <a:rPr lang="en-GB" sz="2600" i="1" dirty="0" smtClean="0"/>
-              <a:t>like walking someone’s dog or helping out with shopping from a monetary value, as it is often difficult to estimate a fair fiat equivalent”</a:t>
+              <a:t> like walking someone’s dog or helping out with shopping from a monetary value, as it is often difficult to estimate a fair fiat equivalent”</a:t>
             </a:r>
             <a:endParaRPr lang="en-GB" sz="2600" i="1" dirty="0"/>
           </a:p>
@@ -7064,11 +7045,7 @@
             </a:r>
             <a:r>
               <a:rPr lang="en-GB" dirty="0" smtClean="0"/>
-              <a:t> </a:t>
-            </a:r>
-            <a:r>
-              <a:rPr lang="en-GB" dirty="0" smtClean="0"/>
-              <a:t>directly can </a:t>
+              <a:t> directly can </a:t>
             </a:r>
             <a:r>
               <a:rPr lang="en-GB" dirty="0"/>
@@ -7157,7 +7134,7 @@
           <p:cNvPr id="2" name="Title 1">
             <a:extLst>
               <a:ext uri="{FF2B5EF4-FFF2-40B4-BE49-F238E27FC236}">
-                <a16:creationId xmlns="" xmlns:a16="http://schemas.microsoft.com/office/drawing/2014/main" id="{C329A884-6D84-47F4-BF00-B0A05449660B}"/>
+                <a16:creationId xmlns:a16="http://schemas.microsoft.com/office/drawing/2014/main" xmlns="" id="{C329A884-6D84-47F4-BF00-B0A05449660B}"/>
               </a:ext>
             </a:extLst>
           </p:cNvPr>
@@ -7185,7 +7162,7 @@
           <p:cNvPr id="3" name="Content Placeholder 2">
             <a:extLst>
               <a:ext uri="{FF2B5EF4-FFF2-40B4-BE49-F238E27FC236}">
-                <a16:creationId xmlns="" xmlns:a16="http://schemas.microsoft.com/office/drawing/2014/main" id="{6077C5AE-CDD3-414E-82B3-9F5D008BB5DA}"/>
+                <a16:creationId xmlns:a16="http://schemas.microsoft.com/office/drawing/2014/main" xmlns="" id="{6077C5AE-CDD3-414E-82B3-9F5D008BB5DA}"/>
               </a:ext>
             </a:extLst>
           </p:cNvPr>
@@ -7341,7 +7318,7 @@
           <p:cNvPr id="16" name="Content Placeholder 2">
             <a:extLst>
               <a:ext uri="{FF2B5EF4-FFF2-40B4-BE49-F238E27FC236}">
-                <a16:creationId xmlns="" xmlns:a16="http://schemas.microsoft.com/office/drawing/2014/main" id="{6077C5AE-CDD3-414E-82B3-9F5D008BB5DA}"/>
+                <a16:creationId xmlns:a16="http://schemas.microsoft.com/office/drawing/2014/main" xmlns="" id="{6077C5AE-CDD3-414E-82B3-9F5D008BB5DA}"/>
               </a:ext>
             </a:extLst>
           </p:cNvPr>
@@ -7696,7 +7673,7 @@
           <p:cNvPr id="2" name="Title 1">
             <a:extLst>
               <a:ext uri="{FF2B5EF4-FFF2-40B4-BE49-F238E27FC236}">
-                <a16:creationId xmlns="" xmlns:a16="http://schemas.microsoft.com/office/drawing/2014/main" id="{B199EFB4-7FF2-4442-8B74-4D97339693FC}"/>
+                <a16:creationId xmlns:a16="http://schemas.microsoft.com/office/drawing/2014/main" xmlns="" id="{B199EFB4-7FF2-4442-8B74-4D97339693FC}"/>
               </a:ext>
             </a:extLst>
           </p:cNvPr>
@@ -7729,7 +7706,7 @@
           <p:cNvPr id="3" name="Content Placeholder 2">
             <a:extLst>
               <a:ext uri="{FF2B5EF4-FFF2-40B4-BE49-F238E27FC236}">
-                <a16:creationId xmlns="" xmlns:a16="http://schemas.microsoft.com/office/drawing/2014/main" id="{7433CC35-9B49-47BB-9064-8B041F7B2334}"/>
+                <a16:creationId xmlns:a16="http://schemas.microsoft.com/office/drawing/2014/main" xmlns="" id="{7433CC35-9B49-47BB-9064-8B041F7B2334}"/>
               </a:ext>
             </a:extLst>
           </p:cNvPr>
@@ -8084,7 +8061,7 @@
           <p:cNvPr id="7" name="Title 1">
             <a:extLst>
               <a:ext uri="{FF2B5EF4-FFF2-40B4-BE49-F238E27FC236}">
-                <a16:creationId xmlns="" xmlns:a16="http://schemas.microsoft.com/office/drawing/2014/main" id="{D1607562-F653-4392-9E02-F798E8B3A6E8}"/>
+                <a16:creationId xmlns:a16="http://schemas.microsoft.com/office/drawing/2014/main" xmlns="" id="{D1607562-F653-4392-9E02-F798E8B3A6E8}"/>
               </a:ext>
             </a:extLst>
           </p:cNvPr>
@@ -8193,7 +8170,7 @@
           <p:cNvPr id="8" name="Group 7">
             <a:extLst>
               <a:ext uri="{FF2B5EF4-FFF2-40B4-BE49-F238E27FC236}">
-                <a16:creationId xmlns="" xmlns:a16="http://schemas.microsoft.com/office/drawing/2014/main" id="{BF1A5F80-693A-4229-817B-F3DC7FBE4CAF}"/>
+                <a16:creationId xmlns:a16="http://schemas.microsoft.com/office/drawing/2014/main" xmlns="" id="{BF1A5F80-693A-4229-817B-F3DC7FBE4CAF}"/>
               </a:ext>
             </a:extLst>
           </p:cNvPr>
@@ -8213,7 +8190,7 @@
             <p:cNvPr id="9" name="Group 8">
               <a:extLst>
                 <a:ext uri="{FF2B5EF4-FFF2-40B4-BE49-F238E27FC236}">
-                  <a16:creationId xmlns="" xmlns:a16="http://schemas.microsoft.com/office/drawing/2014/main" id="{5CF54A72-AE4E-4E09-B61B-99902B44B5E1}"/>
+                  <a16:creationId xmlns:a16="http://schemas.microsoft.com/office/drawing/2014/main" xmlns="" id="{5CF54A72-AE4E-4E09-B61B-99902B44B5E1}"/>
                 </a:ext>
               </a:extLst>
             </p:cNvPr>
@@ -8233,7 +8210,7 @@
               <p:cNvPr id="14" name="TextBox 13">
                 <a:extLst>
                   <a:ext uri="{FF2B5EF4-FFF2-40B4-BE49-F238E27FC236}">
-                    <a16:creationId xmlns="" xmlns:a16="http://schemas.microsoft.com/office/drawing/2014/main" id="{C979FC53-C3DF-426A-A12C-D6FEC77CA711}"/>
+                    <a16:creationId xmlns:a16="http://schemas.microsoft.com/office/drawing/2014/main" xmlns="" id="{C979FC53-C3DF-426A-A12C-D6FEC77CA711}"/>
                   </a:ext>
                 </a:extLst>
               </p:cNvPr>
@@ -8283,7 +8260,7 @@
               <p:cNvPr id="15" name="TextBox 14">
                 <a:extLst>
                   <a:ext uri="{FF2B5EF4-FFF2-40B4-BE49-F238E27FC236}">
-                    <a16:creationId xmlns="" xmlns:a16="http://schemas.microsoft.com/office/drawing/2014/main" id="{D8A9003D-D02D-48CB-9D2D-BAFCEF89FD02}"/>
+                    <a16:creationId xmlns:a16="http://schemas.microsoft.com/office/drawing/2014/main" xmlns="" id="{D8A9003D-D02D-48CB-9D2D-BAFCEF89FD02}"/>
                   </a:ext>
                 </a:extLst>
               </p:cNvPr>
@@ -8333,7 +8310,7 @@
               <p:cNvPr id="16" name="TextBox 15">
                 <a:extLst>
                   <a:ext uri="{FF2B5EF4-FFF2-40B4-BE49-F238E27FC236}">
-                    <a16:creationId xmlns="" xmlns:a16="http://schemas.microsoft.com/office/drawing/2014/main" id="{4E66D3BB-6169-468D-8737-F6101CDFD609}"/>
+                    <a16:creationId xmlns:a16="http://schemas.microsoft.com/office/drawing/2014/main" xmlns="" id="{4E66D3BB-6169-468D-8737-F6101CDFD609}"/>
                   </a:ext>
                 </a:extLst>
               </p:cNvPr>
@@ -8383,7 +8360,7 @@
               <p:cNvPr id="17" name="Straight Arrow Connector 16">
                 <a:extLst>
                   <a:ext uri="{FF2B5EF4-FFF2-40B4-BE49-F238E27FC236}">
-                    <a16:creationId xmlns="" xmlns:a16="http://schemas.microsoft.com/office/drawing/2014/main" id="{5DCBA817-E33C-41B9-B793-A2DF6699656B}"/>
+                    <a16:creationId xmlns:a16="http://schemas.microsoft.com/office/drawing/2014/main" xmlns="" id="{5DCBA817-E33C-41B9-B793-A2DF6699656B}"/>
                   </a:ext>
                 </a:extLst>
               </p:cNvPr>
@@ -8424,7 +8401,7 @@
               <p:cNvPr id="18" name="Straight Arrow Connector 17">
                 <a:extLst>
                   <a:ext uri="{FF2B5EF4-FFF2-40B4-BE49-F238E27FC236}">
-                    <a16:creationId xmlns="" xmlns:a16="http://schemas.microsoft.com/office/drawing/2014/main" id="{ADF5DCD2-8A3E-4D3A-8261-0D0A96CA967C}"/>
+                    <a16:creationId xmlns:a16="http://schemas.microsoft.com/office/drawing/2014/main" xmlns="" id="{ADF5DCD2-8A3E-4D3A-8261-0D0A96CA967C}"/>
                   </a:ext>
                 </a:extLst>
               </p:cNvPr>
@@ -8465,7 +8442,7 @@
               <p:cNvPr id="19" name="Connector: Curved 12">
                 <a:extLst>
                   <a:ext uri="{FF2B5EF4-FFF2-40B4-BE49-F238E27FC236}">
-                    <a16:creationId xmlns="" xmlns:a16="http://schemas.microsoft.com/office/drawing/2014/main" id="{650811E0-E6EC-42C3-B9DD-478D68FD3937}"/>
+                    <a16:creationId xmlns:a16="http://schemas.microsoft.com/office/drawing/2014/main" xmlns="" id="{650811E0-E6EC-42C3-B9DD-478D68FD3937}"/>
                   </a:ext>
                 </a:extLst>
               </p:cNvPr>
@@ -8507,7 +8484,7 @@
               <p:cNvPr id="20" name="Connector: Curved 16">
                 <a:extLst>
                   <a:ext uri="{FF2B5EF4-FFF2-40B4-BE49-F238E27FC236}">
-                    <a16:creationId xmlns="" xmlns:a16="http://schemas.microsoft.com/office/drawing/2014/main" id="{C82A195A-165A-4322-BBD1-F1EBE381CA47}"/>
+                    <a16:creationId xmlns:a16="http://schemas.microsoft.com/office/drawing/2014/main" xmlns="" id="{C82A195A-165A-4322-BBD1-F1EBE381CA47}"/>
                   </a:ext>
                 </a:extLst>
               </p:cNvPr>
@@ -8552,7 +8529,7 @@
             <p:cNvPr id="10" name="Group 9">
               <a:extLst>
                 <a:ext uri="{FF2B5EF4-FFF2-40B4-BE49-F238E27FC236}">
-                  <a16:creationId xmlns="" xmlns:a16="http://schemas.microsoft.com/office/drawing/2014/main" id="{F940917D-5A28-43AC-A3F7-6F61A7BC9AF3}"/>
+                  <a16:creationId xmlns:a16="http://schemas.microsoft.com/office/drawing/2014/main" xmlns="" id="{F940917D-5A28-43AC-A3F7-6F61A7BC9AF3}"/>
                 </a:ext>
               </a:extLst>
             </p:cNvPr>
@@ -8572,7 +8549,7 @@
               <p:cNvPr id="11" name="TextBox 10">
                 <a:extLst>
                   <a:ext uri="{FF2B5EF4-FFF2-40B4-BE49-F238E27FC236}">
-                    <a16:creationId xmlns="" xmlns:a16="http://schemas.microsoft.com/office/drawing/2014/main" id="{4485265E-557F-43D4-82B7-8C41B1895E66}"/>
+                    <a16:creationId xmlns:a16="http://schemas.microsoft.com/office/drawing/2014/main" xmlns="" id="{4485265E-557F-43D4-82B7-8C41B1895E66}"/>
                   </a:ext>
                 </a:extLst>
               </p:cNvPr>
@@ -8628,7 +8605,7 @@
               <p:cNvPr id="12" name="TextBox 11">
                 <a:extLst>
                   <a:ext uri="{FF2B5EF4-FFF2-40B4-BE49-F238E27FC236}">
-                    <a16:creationId xmlns="" xmlns:a16="http://schemas.microsoft.com/office/drawing/2014/main" id="{8D02232A-09E0-4FF6-9F4C-FE54B2BE81C2}"/>
+                    <a16:creationId xmlns:a16="http://schemas.microsoft.com/office/drawing/2014/main" xmlns="" id="{8D02232A-09E0-4FF6-9F4C-FE54B2BE81C2}"/>
                   </a:ext>
                 </a:extLst>
               </p:cNvPr>
@@ -8684,7 +8661,7 @@
               <p:cNvPr id="13" name="Straight Arrow Connector 12">
                 <a:extLst>
                   <a:ext uri="{FF2B5EF4-FFF2-40B4-BE49-F238E27FC236}">
-                    <a16:creationId xmlns="" xmlns:a16="http://schemas.microsoft.com/office/drawing/2014/main" id="{CBF00112-F90C-4D58-9BF6-B7B550CF6546}"/>
+                    <a16:creationId xmlns:a16="http://schemas.microsoft.com/office/drawing/2014/main" xmlns="" id="{CBF00112-F90C-4D58-9BF6-B7B550CF6546}"/>
                   </a:ext>
                 </a:extLst>
               </p:cNvPr>
@@ -8731,362 +8708,6 @@
   <p:clrMapOvr>
     <a:masterClrMapping/>
   </p:clrMapOvr>
-  <p:timing>
-    <p:tnLst>
-      <p:par>
-        <p:cTn id="1" dur="indefinite" restart="never" nodeType="tmRoot"/>
-      </p:par>
-    </p:tnLst>
-  </p:timing>
-</p:sld>
-</file>
-
-<file path=ppt/slides/slide6.xml><?xml version="1.0" encoding="utf-8"?>
-<p:sld xmlns:a="http://schemas.openxmlformats.org/drawingml/2006/main" xmlns:r="http://schemas.openxmlformats.org/officeDocument/2006/relationships" xmlns:p="http://schemas.openxmlformats.org/presentationml/2006/main" show="0">
-  <p:cSld>
-    <p:spTree>
-      <p:nvGrpSpPr>
-        <p:cNvPr id="1" name=""/>
-        <p:cNvGrpSpPr/>
-        <p:nvPr/>
-      </p:nvGrpSpPr>
-      <p:grpSpPr>
-        <a:xfrm>
-          <a:off x="0" y="0"/>
-          <a:ext cx="0" cy="0"/>
-          <a:chOff x="0" y="0"/>
-          <a:chExt cx="0" cy="0"/>
-        </a:xfrm>
-      </p:grpSpPr>
-      <p:sp>
-        <p:nvSpPr>
-          <p:cNvPr id="2" name="Title 1">
-            <a:extLst>
-              <a:ext uri="{FF2B5EF4-FFF2-40B4-BE49-F238E27FC236}">
-                <a16:creationId xmlns="" xmlns:a16="http://schemas.microsoft.com/office/drawing/2014/main" id="{B199EFB4-7FF2-4442-8B74-4D97339693FC}"/>
-              </a:ext>
-            </a:extLst>
-          </p:cNvPr>
-          <p:cNvSpPr>
-            <a:spLocks noGrp="1"/>
-          </p:cNvSpPr>
-          <p:nvPr>
-            <p:ph type="title"/>
-          </p:nvPr>
-        </p:nvSpPr>
-        <p:spPr/>
-        <p:txBody>
-          <a:bodyPr/>
-          <a:lstStyle/>
-          <a:p>
-            <a:r>
-              <a:rPr lang="en-GB" dirty="0"/>
-              <a:t>Difficulties/open challenges</a:t>
-            </a:r>
-          </a:p>
-        </p:txBody>
-      </p:sp>
-      <p:sp>
-        <p:nvSpPr>
-          <p:cNvPr id="3" name="Content Placeholder 2">
-            <a:extLst>
-              <a:ext uri="{FF2B5EF4-FFF2-40B4-BE49-F238E27FC236}">
-                <a16:creationId xmlns="" xmlns:a16="http://schemas.microsoft.com/office/drawing/2014/main" id="{7433CC35-9B49-47BB-9064-8B041F7B2334}"/>
-              </a:ext>
-            </a:extLst>
-          </p:cNvPr>
-          <p:cNvSpPr>
-            <a:spLocks noGrp="1"/>
-          </p:cNvSpPr>
-          <p:nvPr>
-            <p:ph idx="1"/>
-          </p:nvPr>
-        </p:nvSpPr>
-        <p:spPr/>
-        <p:txBody>
-          <a:bodyPr/>
-          <a:lstStyle/>
-          <a:p>
-            <a:r>
-              <a:rPr lang="en-GB" dirty="0"/>
-              <a:t>We encountered challenges with:#</a:t>
-            </a:r>
-          </a:p>
-          <a:p>
-            <a:pPr lvl="1"/>
-            <a:r>
-              <a:rPr lang="en-GB" dirty="0"/>
-              <a:t>X</a:t>
-            </a:r>
-          </a:p>
-          <a:p>
-            <a:pPr lvl="1"/>
-            <a:r>
-              <a:rPr lang="en-GB" dirty="0"/>
-              <a:t>X</a:t>
-            </a:r>
-          </a:p>
-          <a:p>
-            <a:pPr lvl="1"/>
-            <a:r>
-              <a:rPr lang="en-GB" dirty="0"/>
-              <a:t>x</a:t>
-            </a:r>
-          </a:p>
-          <a:p>
-            <a:r>
-              <a:rPr lang="en-GB" dirty="0"/>
-              <a:t>We would like to incorporate: </a:t>
-            </a:r>
-          </a:p>
-          <a:p>
-            <a:pPr lvl="1"/>
-            <a:r>
-              <a:rPr lang="en-GB" dirty="0"/>
-              <a:t>a reputation ranking process</a:t>
-            </a:r>
-          </a:p>
-          <a:p>
-            <a:pPr lvl="1"/>
-            <a:r>
-              <a:rPr lang="en-GB" dirty="0"/>
-              <a:t>an </a:t>
-            </a:r>
-            <a:r>
-              <a:rPr lang="en-GB" dirty="0" err="1"/>
-              <a:t>encryted</a:t>
-            </a:r>
-            <a:r>
-              <a:rPr lang="en-GB" dirty="0"/>
-              <a:t> messaging to negotiate details</a:t>
-            </a:r>
-          </a:p>
-          <a:p>
-            <a:endParaRPr lang="en-GB" dirty="0"/>
-          </a:p>
-        </p:txBody>
-      </p:sp>
-    </p:spTree>
-    <p:extLst>
-      <p:ext uri="{BB962C8B-B14F-4D97-AF65-F5344CB8AC3E}">
-        <p14:creationId xmlns:p14="http://schemas.microsoft.com/office/powerpoint/2010/main" val="1702714479"/>
-      </p:ext>
-    </p:extLst>
-  </p:cSld>
-  <p:clrMapOvr>
-    <a:masterClrMapping/>
-  </p:clrMapOvr>
-  <mc:AlternateContent xmlns:mc="http://schemas.openxmlformats.org/markup-compatibility/2006">
-    <mc:Choice xmlns:p14="http://schemas.microsoft.com/office/powerpoint/2010/main" Requires="p14">
-      <p:transition spd="slow" p14:dur="2000"/>
-    </mc:Choice>
-    <mc:Fallback>
-      <p:transition spd="slow"/>
-    </mc:Fallback>
-  </mc:AlternateContent>
-  <p:timing>
-    <p:tnLst>
-      <p:par>
-        <p:cTn id="1" dur="indefinite" restart="never" nodeType="tmRoot"/>
-      </p:par>
-    </p:tnLst>
-  </p:timing>
-</p:sld>
-</file>
-
-<file path=ppt/slides/slide7.xml><?xml version="1.0" encoding="utf-8"?>
-<p:sld xmlns:a="http://schemas.openxmlformats.org/drawingml/2006/main" xmlns:r="http://schemas.openxmlformats.org/officeDocument/2006/relationships" xmlns:p="http://schemas.openxmlformats.org/presentationml/2006/main" show="0">
-  <p:cSld>
-    <p:spTree>
-      <p:nvGrpSpPr>
-        <p:cNvPr id="1" name=""/>
-        <p:cNvGrpSpPr/>
-        <p:nvPr/>
-      </p:nvGrpSpPr>
-      <p:grpSpPr>
-        <a:xfrm>
-          <a:off x="0" y="0"/>
-          <a:ext cx="0" cy="0"/>
-          <a:chOff x="0" y="0"/>
-          <a:chExt cx="0" cy="0"/>
-        </a:xfrm>
-      </p:grpSpPr>
-      <p:sp>
-        <p:nvSpPr>
-          <p:cNvPr id="2" name="Title 1">
-            <a:extLst>
-              <a:ext uri="{FF2B5EF4-FFF2-40B4-BE49-F238E27FC236}">
-                <a16:creationId xmlns="" xmlns:a16="http://schemas.microsoft.com/office/drawing/2014/main" id="{BD444473-FBF1-4D36-9924-F29EC760A653}"/>
-              </a:ext>
-            </a:extLst>
-          </p:cNvPr>
-          <p:cNvSpPr>
-            <a:spLocks noGrp="1"/>
-          </p:cNvSpPr>
-          <p:nvPr>
-            <p:ph type="title"/>
-          </p:nvPr>
-        </p:nvSpPr>
-        <p:spPr/>
-        <p:txBody>
-          <a:bodyPr/>
-          <a:lstStyle/>
-          <a:p>
-            <a:r>
-              <a:rPr lang="en-GB" dirty="0"/>
-              <a:t>The Protocol</a:t>
-            </a:r>
-          </a:p>
-        </p:txBody>
-      </p:sp>
-      <p:pic>
-        <p:nvPicPr>
-          <p:cNvPr id="4" name="Content Placeholder 3">
-            <a:extLst>
-              <a:ext uri="{FF2B5EF4-FFF2-40B4-BE49-F238E27FC236}">
-                <a16:creationId xmlns="" xmlns:a16="http://schemas.microsoft.com/office/drawing/2014/main" id="{EDA538E6-480E-4B50-9D4B-06971E341BDA}"/>
-              </a:ext>
-            </a:extLst>
-          </p:cNvPr>
-          <p:cNvPicPr>
-            <a:picLocks noGrp="1" noChangeAspect="1"/>
-          </p:cNvPicPr>
-          <p:nvPr>
-            <p:ph idx="1"/>
-          </p:nvPr>
-        </p:nvPicPr>
-        <p:blipFill>
-          <a:blip r:embed="rId2"/>
-          <a:stretch>
-            <a:fillRect/>
-          </a:stretch>
-        </p:blipFill>
-        <p:spPr>
-          <a:xfrm>
-            <a:off x="1800467" y="1605818"/>
-            <a:ext cx="6674459" cy="3832129"/>
-          </a:xfrm>
-          <a:prstGeom prst="rect">
-            <a:avLst/>
-          </a:prstGeom>
-        </p:spPr>
-      </p:pic>
-    </p:spTree>
-    <p:extLst>
-      <p:ext uri="{BB962C8B-B14F-4D97-AF65-F5344CB8AC3E}">
-        <p14:creationId xmlns:p14="http://schemas.microsoft.com/office/powerpoint/2010/main" val="4005708079"/>
-      </p:ext>
-    </p:extLst>
-  </p:cSld>
-  <p:clrMapOvr>
-    <a:masterClrMapping/>
-  </p:clrMapOvr>
-  <mc:AlternateContent xmlns:mc="http://schemas.openxmlformats.org/markup-compatibility/2006">
-    <mc:Choice xmlns:p14="http://schemas.microsoft.com/office/powerpoint/2010/main" Requires="p14">
-      <p:transition spd="slow" p14:dur="2000"/>
-    </mc:Choice>
-    <mc:Fallback>
-      <p:transition spd="slow"/>
-    </mc:Fallback>
-  </mc:AlternateContent>
-  <p:timing>
-    <p:tnLst>
-      <p:par>
-        <p:cTn id="1" dur="indefinite" restart="never" nodeType="tmRoot"/>
-      </p:par>
-    </p:tnLst>
-  </p:timing>
-</p:sld>
-</file>
-
-<file path=ppt/slides/slide8.xml><?xml version="1.0" encoding="utf-8"?>
-<p:sld xmlns:a="http://schemas.openxmlformats.org/drawingml/2006/main" xmlns:r="http://schemas.openxmlformats.org/officeDocument/2006/relationships" xmlns:p="http://schemas.openxmlformats.org/presentationml/2006/main" show="0">
-  <p:cSld>
-    <p:spTree>
-      <p:nvGrpSpPr>
-        <p:cNvPr id="1" name=""/>
-        <p:cNvGrpSpPr/>
-        <p:nvPr/>
-      </p:nvGrpSpPr>
-      <p:grpSpPr>
-        <a:xfrm>
-          <a:off x="0" y="0"/>
-          <a:ext cx="0" cy="0"/>
-          <a:chOff x="0" y="0"/>
-          <a:chExt cx="0" cy="0"/>
-        </a:xfrm>
-      </p:grpSpPr>
-      <p:sp>
-        <p:nvSpPr>
-          <p:cNvPr id="2" name="Title 1">
-            <a:extLst>
-              <a:ext uri="{FF2B5EF4-FFF2-40B4-BE49-F238E27FC236}">
-                <a16:creationId xmlns="" xmlns:a16="http://schemas.microsoft.com/office/drawing/2014/main" id="{0BE6749C-567E-4F04-B180-F2C53959270D}"/>
-              </a:ext>
-            </a:extLst>
-          </p:cNvPr>
-          <p:cNvSpPr>
-            <a:spLocks noGrp="1"/>
-          </p:cNvSpPr>
-          <p:nvPr>
-            <p:ph type="title"/>
-          </p:nvPr>
-        </p:nvSpPr>
-        <p:spPr/>
-        <p:txBody>
-          <a:bodyPr/>
-          <a:lstStyle/>
-          <a:p>
-            <a:r>
-              <a:rPr lang="en-GB" dirty="0"/>
-              <a:t>GUI</a:t>
-            </a:r>
-          </a:p>
-        </p:txBody>
-      </p:sp>
-      <p:sp>
-        <p:nvSpPr>
-          <p:cNvPr id="3" name="Content Placeholder 2">
-            <a:extLst>
-              <a:ext uri="{FF2B5EF4-FFF2-40B4-BE49-F238E27FC236}">
-                <a16:creationId xmlns="" xmlns:a16="http://schemas.microsoft.com/office/drawing/2014/main" id="{1A7F7145-E667-446B-884F-8C50500DD853}"/>
-              </a:ext>
-            </a:extLst>
-          </p:cNvPr>
-          <p:cNvSpPr>
-            <a:spLocks noGrp="1"/>
-          </p:cNvSpPr>
-          <p:nvPr>
-            <p:ph idx="1"/>
-          </p:nvPr>
-        </p:nvSpPr>
-        <p:spPr/>
-        <p:txBody>
-          <a:bodyPr/>
-          <a:lstStyle/>
-          <a:p>
-            <a:endParaRPr lang="en-GB" dirty="0"/>
-          </a:p>
-        </p:txBody>
-      </p:sp>
-    </p:spTree>
-    <p:extLst>
-      <p:ext uri="{BB962C8B-B14F-4D97-AF65-F5344CB8AC3E}">
-        <p14:creationId xmlns:p14="http://schemas.microsoft.com/office/powerpoint/2010/main" val="2870255762"/>
-      </p:ext>
-    </p:extLst>
-  </p:cSld>
-  <p:clrMapOvr>
-    <a:masterClrMapping/>
-  </p:clrMapOvr>
-  <mc:AlternateContent xmlns:mc="http://schemas.openxmlformats.org/markup-compatibility/2006">
-    <mc:Choice xmlns:p14="http://schemas.microsoft.com/office/powerpoint/2010/main" Requires="p14">
-      <p:transition spd="slow" p14:dur="2000"/>
-    </mc:Choice>
-    <mc:Fallback>
-      <p:transition spd="slow"/>
-    </mc:Fallback>
-  </mc:AlternateContent>
   <p:timing>
     <p:tnLst>
       <p:par>
